--- a/IROS17/pictures/pdf/multirobotSliderHardware2.pptx
+++ b/IROS17/pictures/pdf/multirobotSliderHardware2.pptx
@@ -106,7 +106,7 @@
   </p:defaultTextStyle>
   <p:extLst>
     <p:ext uri="{EFAFB233-063F-42B5-8137-9DF3F51BA10A}">
-      <p15:sldGuideLst xmlns="" xmlns:p15="http://schemas.microsoft.com/office/powerpoint/2012/main"/>
+      <p15:sldGuideLst xmlns:p15="http://schemas.microsoft.com/office/powerpoint/2012/main" xmlns=""/>
     </p:ext>
   </p:extLst>
 </p:presentation>
@@ -5256,165 +5256,150 @@
           </a:prstGeom>
         </p:spPr>
       </p:pic>
-      <p:grpSp>
-        <p:nvGrpSpPr>
-          <p:cNvPr id="627" name="Group 626"/>
-          <p:cNvGrpSpPr/>
-          <p:nvPr/>
-        </p:nvGrpSpPr>
-        <p:grpSpPr>
+      <p:sp>
+        <p:nvSpPr>
+          <p:cNvPr id="628" name="Oval 627"/>
+          <p:cNvSpPr/>
+          <p:nvPr/>
+        </p:nvSpPr>
+        <p:spPr>
+          <a:xfrm>
+            <a:off x="5443605" y="6720924"/>
+            <a:ext cx="68580" cy="68580"/>
+          </a:xfrm>
+          <a:prstGeom prst="ellipse">
+            <a:avLst/>
+          </a:prstGeom>
+          <a:solidFill>
+            <a:schemeClr val="tx1"/>
+          </a:solidFill>
+          <a:ln>
+            <a:noFill/>
+          </a:ln>
+          <a:effectLst/>
+        </p:spPr>
+        <p:style>
+          <a:lnRef idx="1">
+            <a:schemeClr val="accent1"/>
+          </a:lnRef>
+          <a:fillRef idx="3">
+            <a:schemeClr val="accent1"/>
+          </a:fillRef>
+          <a:effectRef idx="2">
+            <a:schemeClr val="accent1"/>
+          </a:effectRef>
+          <a:fontRef idx="minor">
+            <a:schemeClr val="lt1"/>
+          </a:fontRef>
+        </p:style>
+        <p:txBody>
+          <a:bodyPr rtlCol="0" anchor="ctr"/>
+          <a:lstStyle/>
+          <a:p>
+            <a:pPr algn="ctr"/>
+            <a:endParaRPr lang="en-US">
+              <a:latin typeface="Times New Roman"/>
+              <a:cs typeface="Times New Roman"/>
+            </a:endParaRPr>
+          </a:p>
+        </p:txBody>
+      </p:sp>
+      <p:sp>
+        <p:nvSpPr>
+          <p:cNvPr id="629" name="Oval 628"/>
+          <p:cNvSpPr/>
+          <p:nvPr/>
+        </p:nvSpPr>
+        <p:spPr>
+          <a:xfrm>
+            <a:off x="5443605" y="6823250"/>
+            <a:ext cx="68580" cy="68580"/>
+          </a:xfrm>
+          <a:prstGeom prst="ellipse">
+            <a:avLst/>
+          </a:prstGeom>
+          <a:solidFill>
+            <a:schemeClr val="tx1"/>
+          </a:solidFill>
+          <a:ln>
+            <a:noFill/>
+          </a:ln>
+          <a:effectLst/>
+        </p:spPr>
+        <p:style>
+          <a:lnRef idx="1">
+            <a:schemeClr val="accent1"/>
+          </a:lnRef>
+          <a:fillRef idx="3">
+            <a:schemeClr val="accent1"/>
+          </a:fillRef>
+          <a:effectRef idx="2">
+            <a:schemeClr val="accent1"/>
+          </a:effectRef>
+          <a:fontRef idx="minor">
+            <a:schemeClr val="lt1"/>
+          </a:fontRef>
+        </p:style>
+        <p:txBody>
+          <a:bodyPr rtlCol="0" anchor="ctr"/>
+          <a:lstStyle/>
+          <a:p>
+            <a:pPr algn="ctr"/>
+            <a:endParaRPr lang="en-US">
+              <a:latin typeface="Times New Roman"/>
+              <a:cs typeface="Times New Roman"/>
+            </a:endParaRPr>
+          </a:p>
+        </p:txBody>
+      </p:sp>
+      <p:sp>
+        <p:nvSpPr>
+          <p:cNvPr id="630" name="Oval 629"/>
+          <p:cNvSpPr/>
+          <p:nvPr/>
+        </p:nvSpPr>
+        <p:spPr>
           <a:xfrm>
             <a:off x="5443605" y="6618598"/>
-            <a:ext cx="68580" cy="273232"/>
-            <a:chOff x="13396070" y="13514614"/>
-            <a:chExt cx="274320" cy="1092926"/>
-          </a:xfrm>
-        </p:grpSpPr>
-        <p:sp>
-          <p:nvSpPr>
-            <p:cNvPr id="628" name="Oval 627"/>
-            <p:cNvSpPr/>
-            <p:nvPr/>
-          </p:nvSpPr>
-          <p:spPr>
-            <a:xfrm>
-              <a:off x="13396070" y="13906500"/>
-              <a:ext cx="274320" cy="274320"/>
-            </a:xfrm>
-            <a:prstGeom prst="ellipse">
-              <a:avLst/>
-            </a:prstGeom>
-            <a:solidFill>
-              <a:schemeClr val="tx1"/>
-            </a:solidFill>
-            <a:ln>
-              <a:noFill/>
-            </a:ln>
-            <a:effectLst/>
-          </p:spPr>
-          <p:style>
-            <a:lnRef idx="1">
-              <a:schemeClr val="accent1"/>
-            </a:lnRef>
-            <a:fillRef idx="3">
-              <a:schemeClr val="accent1"/>
-            </a:fillRef>
-            <a:effectRef idx="2">
-              <a:schemeClr val="accent1"/>
-            </a:effectRef>
-            <a:fontRef idx="minor">
-              <a:schemeClr val="lt1"/>
-            </a:fontRef>
-          </p:style>
-          <p:txBody>
-            <a:bodyPr rtlCol="0" anchor="ctr"/>
-            <a:lstStyle/>
-            <a:p>
-              <a:pPr algn="ctr"/>
-              <a:endParaRPr lang="en-US">
-                <a:latin typeface="Times New Roman"/>
-                <a:cs typeface="Times New Roman"/>
-              </a:endParaRPr>
-            </a:p>
-          </p:txBody>
-        </p:sp>
-        <p:sp>
-          <p:nvSpPr>
-            <p:cNvPr id="629" name="Oval 628"/>
-            <p:cNvSpPr/>
-            <p:nvPr/>
-          </p:nvSpPr>
-          <p:spPr>
-            <a:xfrm>
-              <a:off x="13396070" y="14333220"/>
-              <a:ext cx="274320" cy="274320"/>
-            </a:xfrm>
-            <a:prstGeom prst="ellipse">
-              <a:avLst/>
-            </a:prstGeom>
-            <a:solidFill>
-              <a:schemeClr val="tx1"/>
-            </a:solidFill>
-            <a:ln>
-              <a:noFill/>
-            </a:ln>
-            <a:effectLst/>
-          </p:spPr>
-          <p:style>
-            <a:lnRef idx="1">
-              <a:schemeClr val="accent1"/>
-            </a:lnRef>
-            <a:fillRef idx="3">
-              <a:schemeClr val="accent1"/>
-            </a:fillRef>
-            <a:effectRef idx="2">
-              <a:schemeClr val="accent1"/>
-            </a:effectRef>
-            <a:fontRef idx="minor">
-              <a:schemeClr val="lt1"/>
-            </a:fontRef>
-          </p:style>
-          <p:txBody>
-            <a:bodyPr rtlCol="0" anchor="ctr"/>
-            <a:lstStyle/>
-            <a:p>
-              <a:pPr algn="ctr"/>
-              <a:endParaRPr lang="en-US">
-                <a:latin typeface="Times New Roman"/>
-                <a:cs typeface="Times New Roman"/>
-              </a:endParaRPr>
-            </a:p>
-          </p:txBody>
-        </p:sp>
-        <p:sp>
-          <p:nvSpPr>
-            <p:cNvPr id="630" name="Oval 629"/>
-            <p:cNvSpPr/>
-            <p:nvPr/>
-          </p:nvSpPr>
-          <p:spPr>
-            <a:xfrm>
-              <a:off x="13396070" y="13514614"/>
-              <a:ext cx="274320" cy="274320"/>
-            </a:xfrm>
-            <a:prstGeom prst="ellipse">
-              <a:avLst/>
-            </a:prstGeom>
-            <a:solidFill>
-              <a:schemeClr val="tx1"/>
-            </a:solidFill>
-            <a:ln>
-              <a:noFill/>
-            </a:ln>
-            <a:effectLst/>
-          </p:spPr>
-          <p:style>
-            <a:lnRef idx="1">
-              <a:schemeClr val="accent1"/>
-            </a:lnRef>
-            <a:fillRef idx="3">
-              <a:schemeClr val="accent1"/>
-            </a:fillRef>
-            <a:effectRef idx="2">
-              <a:schemeClr val="accent1"/>
-            </a:effectRef>
-            <a:fontRef idx="minor">
-              <a:schemeClr val="lt1"/>
-            </a:fontRef>
-          </p:style>
-          <p:txBody>
-            <a:bodyPr rtlCol="0" anchor="ctr"/>
-            <a:lstStyle/>
-            <a:p>
-              <a:pPr algn="ctr"/>
-              <a:endParaRPr lang="en-US">
-                <a:latin typeface="Times New Roman"/>
-                <a:cs typeface="Times New Roman"/>
-              </a:endParaRPr>
-            </a:p>
-          </p:txBody>
-        </p:sp>
-      </p:grpSp>
+            <a:ext cx="68580" cy="68580"/>
+          </a:xfrm>
+          <a:prstGeom prst="ellipse">
+            <a:avLst/>
+          </a:prstGeom>
+          <a:solidFill>
+            <a:schemeClr val="tx1"/>
+          </a:solidFill>
+          <a:ln>
+            <a:noFill/>
+          </a:ln>
+          <a:effectLst/>
+        </p:spPr>
+        <p:style>
+          <a:lnRef idx="1">
+            <a:schemeClr val="accent1"/>
+          </a:lnRef>
+          <a:fillRef idx="3">
+            <a:schemeClr val="accent1"/>
+          </a:fillRef>
+          <a:effectRef idx="2">
+            <a:schemeClr val="accent1"/>
+          </a:effectRef>
+          <a:fontRef idx="minor">
+            <a:schemeClr val="lt1"/>
+          </a:fontRef>
+        </p:style>
+        <p:txBody>
+          <a:bodyPr rtlCol="0" anchor="ctr"/>
+          <a:lstStyle/>
+          <a:p>
+            <a:pPr algn="ctr"/>
+            <a:endParaRPr lang="en-US">
+              <a:latin typeface="Times New Roman"/>
+              <a:cs typeface="Times New Roman"/>
+            </a:endParaRPr>
+          </a:p>
+        </p:txBody>
+      </p:sp>
       <p:sp>
         <p:nvSpPr>
           <p:cNvPr id="631" name="TextBox 630"/>
@@ -13260,7 +13245,7 @@
   <a:extraClrSchemeLst/>
   <a:extLst>
     <a:ext uri="{05A4C25C-085E-4340-85A3-A5531E510DB2}">
-      <thm15:themeFamily xmlns="" xmlns:thm15="http://schemas.microsoft.com/office/thememl/2012/main" name="Office Theme" id="{62F939B6-93AF-4DB8-9C6B-D6C7DFDC589F}" vid="{4A3C46E8-61CC-4603-A589-7422A47A8E4A}"/>
+      <thm15:themeFamily xmlns:thm15="http://schemas.microsoft.com/office/thememl/2012/main" xmlns="" name="Office Theme" id="{62F939B6-93AF-4DB8-9C6B-D6C7DFDC589F}" vid="{4A3C46E8-61CC-4603-A589-7422A47A8E4A}"/>
     </a:ext>
   </a:extLst>
 </a:theme>
